--- a/doc/他に揃えたいツール.pptx
+++ b/doc/他に揃えたいツール.pptx
@@ -14,7 +14,7 @@
     <p:sldId id="279" r:id="rId5"/>
     <p:sldId id="277" r:id="rId6"/>
     <p:sldId id="278" r:id="rId7"/>
-    <p:sldId id="297" r:id="rId8"/>
+    <p:sldId id="298" r:id="rId8"/>
     <p:sldId id="268" r:id="rId9"/>
   </p:sldIdLst>
   <p:sldSz cx="9144000" cy="6858000" type="screen4x3"/>
@@ -114,6 +114,22 @@
       </a:defRPr>
     </a:lvl9pPr>
   </p:defaultTextStyle>
+  <p:extLst>
+    <p:ext uri="{EFAFB233-063F-42B5-8137-9DF3F51BA10A}">
+      <p15:sldGuideLst xmlns:p15="http://schemas.microsoft.com/office/powerpoint/2012/main">
+        <p15:guide id="1" orient="horz" pos="2160">
+          <p15:clr>
+            <a:srgbClr val="A4A3A4"/>
+          </p15:clr>
+        </p15:guide>
+        <p15:guide id="2" pos="2880">
+          <p15:clr>
+            <a:srgbClr val="A4A3A4"/>
+          </p15:clr>
+        </p15:guide>
+      </p15:sldGuideLst>
+    </p:ext>
+  </p:extLst>
 </p:presentation>
 </file>
 
@@ -199,7 +215,7 @@
           <a:p>
             <a:fld id="{E89E685A-6CB9-44D5-A35F-2F6E4FCD6321}" type="datetimeFigureOut">
               <a:rPr kumimoji="1" lang="ja-JP" altLang="en-US" smtClean="0"/>
-              <a:t>2013/3/29</a:t>
+              <a:t>2017/3/5</a:t>
             </a:fld>
             <a:endParaRPr kumimoji="1" lang="ja-JP" altLang="en-US"/>
           </a:p>
@@ -499,6 +515,90 @@
 </p:notesMaster>
 </file>
 
+<file path=ppt/notesSlides/notesSlide1.xml><?xml version="1.0" encoding="utf-8"?>
+<p:notes xmlns:a="http://schemas.openxmlformats.org/drawingml/2006/main" xmlns:r="http://schemas.openxmlformats.org/officeDocument/2006/relationships" xmlns:p="http://schemas.openxmlformats.org/presentationml/2006/main">
+  <p:cSld>
+    <p:spTree>
+      <p:nvGrpSpPr>
+        <p:cNvPr id="1" name=""/>
+        <p:cNvGrpSpPr/>
+        <p:nvPr/>
+      </p:nvGrpSpPr>
+      <p:grpSpPr>
+        <a:xfrm>
+          <a:off x="0" y="0"/>
+          <a:ext cx="0" cy="0"/>
+          <a:chOff x="0" y="0"/>
+          <a:chExt cx="0" cy="0"/>
+        </a:xfrm>
+      </p:grpSpPr>
+      <p:sp>
+        <p:nvSpPr>
+          <p:cNvPr id="2" name="スライド イメージ プレースホルダー 1"/>
+          <p:cNvSpPr>
+            <a:spLocks noGrp="1" noRot="1" noChangeAspect="1"/>
+          </p:cNvSpPr>
+          <p:nvPr>
+            <p:ph type="sldImg"/>
+          </p:nvPr>
+        </p:nvSpPr>
+        <p:spPr/>
+      </p:sp>
+      <p:sp>
+        <p:nvSpPr>
+          <p:cNvPr id="3" name="ノート プレースホルダー 2"/>
+          <p:cNvSpPr>
+            <a:spLocks noGrp="1"/>
+          </p:cNvSpPr>
+          <p:nvPr>
+            <p:ph type="body" idx="1"/>
+          </p:nvPr>
+        </p:nvSpPr>
+        <p:spPr/>
+        <p:txBody>
+          <a:bodyPr/>
+          <a:lstStyle/>
+          <a:p>
+            <a:endParaRPr kumimoji="1" lang="ja-JP" altLang="en-US" dirty="0"/>
+          </a:p>
+        </p:txBody>
+      </p:sp>
+      <p:sp>
+        <p:nvSpPr>
+          <p:cNvPr id="4" name="スライド番号プレースホルダー 3"/>
+          <p:cNvSpPr>
+            <a:spLocks noGrp="1"/>
+          </p:cNvSpPr>
+          <p:nvPr>
+            <p:ph type="sldNum" sz="quarter" idx="10"/>
+          </p:nvPr>
+        </p:nvSpPr>
+        <p:spPr/>
+        <p:txBody>
+          <a:bodyPr/>
+          <a:lstStyle/>
+          <a:p>
+            <a:fld id="{BFC7B3D4-C9BC-47F7-8079-DA6D86A5777E}" type="slidenum">
+              <a:rPr kumimoji="1" lang="ja-JP" altLang="en-US" smtClean="0"/>
+              <a:t>3</a:t>
+            </a:fld>
+            <a:endParaRPr kumimoji="1" lang="ja-JP" altLang="en-US"/>
+          </a:p>
+        </p:txBody>
+      </p:sp>
+    </p:spTree>
+    <p:extLst>
+      <p:ext uri="{BB962C8B-B14F-4D97-AF65-F5344CB8AC3E}">
+        <p14:creationId xmlns:p14="http://schemas.microsoft.com/office/powerpoint/2010/main" val="546687855"/>
+      </p:ext>
+    </p:extLst>
+  </p:cSld>
+  <p:clrMapOvr>
+    <a:masterClrMapping/>
+  </p:clrMapOvr>
+</p:notes>
+</file>
+
 <file path=ppt/slideLayouts/slideLayout1.xml><?xml version="1.0" encoding="utf-8"?>
 <p:sldLayout xmlns:a="http://schemas.openxmlformats.org/drawingml/2006/main" xmlns:r="http://schemas.openxmlformats.org/officeDocument/2006/relationships" xmlns:p="http://schemas.openxmlformats.org/presentationml/2006/main" showMasterSp="0" type="title" preserve="1">
   <p:cSld name="タイトル スライド">
@@ -2311,7 +2411,7 @@
           <a:p>
             <a:fld id="{E90ED720-0104-4369-84BC-D37694168613}" type="datetimeFigureOut">
               <a:rPr kumimoji="1" lang="ja-JP" altLang="en-US" smtClean="0"/>
-              <a:t>2013/3/29</a:t>
+              <a:t>2017/3/5</a:t>
             </a:fld>
             <a:endParaRPr kumimoji="1" lang="ja-JP" altLang="en-US"/>
           </a:p>
@@ -2524,7 +2624,7 @@
           <a:p>
             <a:fld id="{E90ED720-0104-4369-84BC-D37694168613}" type="datetimeFigureOut">
               <a:rPr kumimoji="1" lang="ja-JP" altLang="en-US" smtClean="0"/>
-              <a:t>2013/3/29</a:t>
+              <a:t>2017/3/5</a:t>
             </a:fld>
             <a:endParaRPr kumimoji="1" lang="ja-JP" altLang="en-US"/>
           </a:p>
@@ -2675,7 +2775,7 @@
           <a:p>
             <a:fld id="{E90ED720-0104-4369-84BC-D37694168613}" type="datetimeFigureOut">
               <a:rPr kumimoji="1" lang="ja-JP" altLang="en-US" smtClean="0"/>
-              <a:t>2013/3/29</a:t>
+              <a:t>2017/3/5</a:t>
             </a:fld>
             <a:endParaRPr kumimoji="1" lang="ja-JP" altLang="en-US"/>
           </a:p>
@@ -4565,7 +4665,7 @@
           <a:p>
             <a:fld id="{E90ED720-0104-4369-84BC-D37694168613}" type="datetimeFigureOut">
               <a:rPr kumimoji="1" lang="ja-JP" altLang="en-US" smtClean="0"/>
-              <a:t>2013/3/29</a:t>
+              <a:t>2017/3/5</a:t>
             </a:fld>
             <a:endParaRPr kumimoji="1" lang="ja-JP" altLang="en-US"/>
           </a:p>
@@ -6435,7 +6535,7 @@
           <a:p>
             <a:fld id="{E90ED720-0104-4369-84BC-D37694168613}" type="datetimeFigureOut">
               <a:rPr kumimoji="1" lang="ja-JP" altLang="en-US" smtClean="0"/>
-              <a:t>2013/3/29</a:t>
+              <a:t>2017/3/5</a:t>
             </a:fld>
             <a:endParaRPr kumimoji="1" lang="ja-JP" altLang="en-US"/>
           </a:p>
@@ -6548,7 +6648,7 @@
           <a:p>
             <a:fld id="{E90ED720-0104-4369-84BC-D37694168613}" type="datetimeFigureOut">
               <a:rPr kumimoji="1" lang="ja-JP" altLang="en-US" smtClean="0"/>
-              <a:t>2013/3/29</a:t>
+              <a:t>2017/3/5</a:t>
             </a:fld>
             <a:endParaRPr kumimoji="1" lang="ja-JP" altLang="en-US"/>
           </a:p>
@@ -7217,7 +7317,7 @@
           <a:p>
             <a:fld id="{E90ED720-0104-4369-84BC-D37694168613}" type="datetimeFigureOut">
               <a:rPr kumimoji="1" lang="ja-JP" altLang="en-US" smtClean="0"/>
-              <a:t>2013/3/29</a:t>
+              <a:t>2017/3/5</a:t>
             </a:fld>
             <a:endParaRPr kumimoji="1" lang="ja-JP" altLang="en-US"/>
           </a:p>
@@ -7330,7 +7430,7 @@
           <a:p>
             <a:fld id="{E90ED720-0104-4369-84BC-D37694168613}" type="datetimeFigureOut">
               <a:rPr kumimoji="1" lang="ja-JP" altLang="en-US" smtClean="0"/>
-              <a:t>2013/3/29</a:t>
+              <a:t>2017/3/5</a:t>
             </a:fld>
             <a:endParaRPr kumimoji="1" lang="ja-JP" altLang="en-US"/>
           </a:p>
@@ -9041,7 +9141,7 @@
           <a:p>
             <a:fld id="{E90ED720-0104-4369-84BC-D37694168613}" type="datetimeFigureOut">
               <a:rPr kumimoji="1" lang="ja-JP" altLang="en-US" smtClean="0"/>
-              <a:t>2013/3/29</a:t>
+              <a:t>2017/3/5</a:t>
             </a:fld>
             <a:endParaRPr kumimoji="1" lang="ja-JP" altLang="en-US"/>
           </a:p>
@@ -9192,7 +9292,7 @@
           <a:p>
             <a:fld id="{E90ED720-0104-4369-84BC-D37694168613}" type="datetimeFigureOut">
               <a:rPr kumimoji="1" lang="ja-JP" altLang="en-US" smtClean="0"/>
-              <a:t>2013/3/29</a:t>
+              <a:t>2017/3/5</a:t>
             </a:fld>
             <a:endParaRPr kumimoji="1" lang="ja-JP" altLang="en-US"/>
           </a:p>
@@ -12839,7 +12939,7 @@
           <a:p>
             <a:fld id="{E90ED720-0104-4369-84BC-D37694168613}" type="datetimeFigureOut">
               <a:rPr kumimoji="1" lang="ja-JP" altLang="en-US" smtClean="0"/>
-              <a:t>2013/3/29</a:t>
+              <a:t>2017/3/5</a:t>
             </a:fld>
             <a:endParaRPr kumimoji="1" lang="ja-JP" altLang="en-US"/>
           </a:p>
@@ -14698,7 +14798,7 @@
           <a:p>
             <a:fld id="{E90ED720-0104-4369-84BC-D37694168613}" type="datetimeFigureOut">
               <a:rPr kumimoji="1" lang="ja-JP" altLang="en-US" smtClean="0"/>
-              <a:t>2013/3/29</a:t>
+              <a:t>2017/3/5</a:t>
             </a:fld>
             <a:endParaRPr kumimoji="1" lang="ja-JP" altLang="en-US"/>
           </a:p>
@@ -15289,8 +15389,8 @@
               <a:t>最終更新：</a:t>
             </a:r>
             <a:r>
-              <a:rPr lang="en-US" altLang="ja-JP" smtClean="0"/>
-              <a:t>2013/3/29</a:t>
+              <a:rPr lang="en-US" altLang="ja-JP" dirty="0" smtClean="0"/>
+              <a:t>2017/3/05</a:t>
             </a:r>
             <a:endParaRPr lang="en-US" altLang="ja-JP" dirty="0"/>
           </a:p>
@@ -15361,37 +15461,17 @@
         </p:spPr>
         <p:txBody>
           <a:bodyPr>
-            <a:normAutofit fontScale="92500" lnSpcReduction="10000"/>
+            <a:normAutofit lnSpcReduction="10000"/>
           </a:bodyPr>
           <a:lstStyle/>
           <a:p>
             <a:r>
               <a:rPr kumimoji="1" lang="en-US" altLang="ja-JP" dirty="0" smtClean="0"/>
-              <a:t>Visual Studio C# 2010 Express</a:t>
-            </a:r>
-            <a:r>
-              <a:rPr kumimoji="1" lang="ja-JP" altLang="en-US" dirty="0" smtClean="0"/>
-              <a:t>（もし</a:t>
-            </a:r>
-            <a:r>
-              <a:rPr lang="ja-JP" altLang="en-US" dirty="0"/>
-              <a:t>く</a:t>
-            </a:r>
-            <a:r>
-              <a:rPr lang="ja-JP" altLang="en-US" dirty="0" smtClean="0"/>
-              <a:t>は</a:t>
-            </a:r>
-            <a:r>
-              <a:rPr lang="en-US" altLang="ja-JP" dirty="0" smtClean="0"/>
-              <a:t>2012</a:t>
-            </a:r>
-            <a:r>
-              <a:rPr lang="ja-JP" altLang="en-US" dirty="0" smtClean="0"/>
-              <a:t>～</a:t>
-            </a:r>
-            <a:r>
-              <a:rPr kumimoji="1" lang="ja-JP" altLang="en-US" dirty="0" smtClean="0"/>
-              <a:t>）</a:t>
+              <a:t>Visual Studio </a:t>
+            </a:r>
+            <a:r>
+              <a:rPr kumimoji="1" lang="en-US" altLang="ja-JP" dirty="0" smtClean="0"/>
+              <a:t>2015</a:t>
             </a:r>
             <a:endParaRPr kumimoji="1" lang="en-US" altLang="ja-JP" dirty="0" smtClean="0"/>
           </a:p>
@@ -15442,81 +15522,82 @@
           </a:p>
           <a:p>
             <a:r>
+              <a:rPr kumimoji="1" lang="en-US" altLang="ja-JP" dirty="0" smtClean="0"/>
+              <a:t>UTF-8</a:t>
+            </a:r>
+            <a:r>
               <a:rPr kumimoji="1" lang="ja-JP" altLang="en-US" dirty="0" smtClean="0"/>
-              <a:t>保存文字コードを選択できるテキストエディタ</a:t>
+              <a:t>に対応したテキストエディタ</a:t>
             </a:r>
             <a:endParaRPr kumimoji="1" lang="en-US" altLang="ja-JP" dirty="0" smtClean="0"/>
           </a:p>
           <a:p>
             <a:pPr lvl="1"/>
             <a:r>
-              <a:rPr lang="ja-JP" altLang="en-US" dirty="0"/>
-              <a:t>ファイル</a:t>
+              <a:rPr lang="en-US" altLang="ja-JP" dirty="0" smtClean="0"/>
+              <a:t>Sublime Text</a:t>
             </a:r>
             <a:r>
               <a:rPr lang="ja-JP" altLang="en-US" dirty="0" smtClean="0"/>
-              <a:t>の文字コードに依存する処理があるため必要</a:t>
+              <a:t>がお勧め</a:t>
             </a:r>
             <a:endParaRPr kumimoji="1" lang="en-US" altLang="ja-JP" dirty="0" smtClean="0"/>
           </a:p>
           <a:p>
+            <a:r>
+              <a:rPr lang="ja-JP" altLang="en-US" dirty="0" smtClean="0"/>
+              <a:t>統計</a:t>
+            </a:r>
+            <a:r>
+              <a:rPr lang="ja-JP" altLang="en-US" dirty="0"/>
+              <a:t>処理</a:t>
+            </a:r>
+            <a:r>
+              <a:rPr lang="ja-JP" altLang="en-US" dirty="0" smtClean="0"/>
+              <a:t>ソフト　</a:t>
+            </a:r>
+            <a:r>
+              <a:rPr lang="en-US" altLang="ja-JP" dirty="0" smtClean="0"/>
+              <a:t>R</a:t>
+            </a:r>
+          </a:p>
+          <a:p>
             <a:pPr lvl="1"/>
             <a:r>
-              <a:rPr lang="ja-JP" altLang="en-US" dirty="0"/>
-              <a:t>お勧め</a:t>
-            </a:r>
-            <a:r>
-              <a:rPr lang="ja-JP" altLang="en-US" dirty="0" smtClean="0"/>
-              <a:t>は</a:t>
-            </a:r>
-            <a:r>
-              <a:rPr lang="en-US" altLang="ja-JP" dirty="0" err="1" smtClean="0"/>
-              <a:t>TeraPad</a:t>
+              <a:rPr kumimoji="1" lang="ja-JP" altLang="en-US" dirty="0" smtClean="0"/>
+              <a:t>特徴</a:t>
+            </a:r>
+            <a:r>
+              <a:rPr kumimoji="1" lang="ja-JP" altLang="en-US" dirty="0"/>
+              <a:t>の</a:t>
+            </a:r>
+            <a:r>
+              <a:rPr kumimoji="1" lang="ja-JP" altLang="en-US" dirty="0" smtClean="0"/>
+              <a:t>検討と、図の描画に</a:t>
+            </a:r>
+            <a:r>
+              <a:rPr kumimoji="1" lang="ja-JP" altLang="en-US" dirty="0" smtClean="0"/>
+              <a:t>使える</a:t>
             </a:r>
             <a:endParaRPr kumimoji="1" lang="en-US" altLang="ja-JP" dirty="0" smtClean="0"/>
           </a:p>
           <a:p>
             <a:r>
-              <a:rPr lang="ja-JP" altLang="en-US" dirty="0"/>
-              <a:t>統計処理</a:t>
-            </a:r>
-            <a:r>
-              <a:rPr lang="ja-JP" altLang="en-US" dirty="0" smtClean="0"/>
-              <a:t>ソフト　</a:t>
-            </a:r>
-            <a:r>
               <a:rPr lang="en-US" altLang="ja-JP" dirty="0" smtClean="0"/>
-              <a:t>R</a:t>
+              <a:t>Python</a:t>
             </a:r>
           </a:p>
           <a:p>
             <a:pPr lvl="1"/>
             <a:r>
-              <a:rPr kumimoji="1" lang="ja-JP" altLang="en-US" dirty="0" smtClean="0"/>
-              <a:t>少々の特徴</a:t>
-            </a:r>
-            <a:r>
-              <a:rPr kumimoji="1" lang="ja-JP" altLang="en-US" dirty="0"/>
-              <a:t>の</a:t>
-            </a:r>
-            <a:r>
-              <a:rPr kumimoji="1" lang="ja-JP" altLang="en-US" dirty="0" smtClean="0"/>
-              <a:t>検討と、図の描画に使える</a:t>
+              <a:rPr lang="ja-JP" altLang="en-US" dirty="0" smtClean="0"/>
+              <a:t>テキスト処理やデータ整理やグラフ作成や機械学習な</a:t>
+            </a:r>
+            <a:r>
+              <a:rPr lang="ja-JP" altLang="en-US" dirty="0"/>
+              <a:t>ど</a:t>
             </a:r>
             <a:endParaRPr kumimoji="1" lang="en-US" altLang="ja-JP" dirty="0" smtClean="0"/>
-          </a:p>
-          <a:p>
-            <a:r>
-              <a:rPr lang="en-US" altLang="ja-JP" dirty="0" smtClean="0"/>
-              <a:t>WEKA</a:t>
-            </a:r>
-          </a:p>
-          <a:p>
-            <a:pPr lvl="1"/>
-            <a:r>
-              <a:rPr kumimoji="1" lang="ja-JP" altLang="en-US" dirty="0"/>
-              <a:t>特徴の検討</a:t>
-            </a:r>
           </a:p>
         </p:txBody>
       </p:sp>
@@ -15636,18 +15717,21 @@
           </a:p>
           <a:p>
             <a:r>
-              <a:rPr lang="ja-JP" altLang="en-US" dirty="0" smtClean="0"/>
-              <a:t>古い</a:t>
-            </a:r>
-            <a:r>
-              <a:rPr lang="en-US" altLang="ja-JP" dirty="0" smtClean="0"/>
-              <a:t>VS</a:t>
-            </a:r>
-            <a:r>
-              <a:rPr lang="ja-JP" altLang="en-US" dirty="0" smtClean="0"/>
-              <a:t>だと正常にビルドできない可能性が高い</a:t>
-            </a:r>
-            <a:endParaRPr kumimoji="1" lang="ja-JP" altLang="en-US" dirty="0"/>
+              <a:rPr lang="en-US" altLang="ja-JP" dirty="0">
+                <a:hlinkClick r:id="rId3"/>
+              </a:rPr>
+              <a:t>https://</a:t>
+            </a:r>
+            <a:r>
+              <a:rPr lang="en-US" altLang="ja-JP" dirty="0" smtClean="0">
+                <a:hlinkClick r:id="rId3"/>
+              </a:rPr>
+              <a:t>www.microsoft.com/ja-jp/dev</a:t>
+            </a:r>
+            <a:endParaRPr lang="en-US" altLang="ja-JP" dirty="0" smtClean="0"/>
+          </a:p>
+          <a:p>
+            <a:endParaRPr lang="en-US" altLang="ja-JP" dirty="0" smtClean="0"/>
           </a:p>
         </p:txBody>
       </p:sp>
@@ -15668,7 +15752,11 @@
           <a:p>
             <a:r>
               <a:rPr kumimoji="1" lang="en-US" altLang="ja-JP" dirty="0" smtClean="0"/>
-              <a:t>Visual Studio 2010</a:t>
+              <a:t>Visual Studio </a:t>
+            </a:r>
+            <a:r>
+              <a:rPr kumimoji="1" lang="en-US" altLang="ja-JP" dirty="0" smtClean="0"/>
+              <a:t>2015</a:t>
             </a:r>
             <a:endParaRPr kumimoji="1" lang="ja-JP" altLang="en-US" dirty="0"/>
           </a:p>
@@ -15676,128 +15764,26 @@
       </p:sp>
       <p:pic>
         <p:nvPicPr>
-          <p:cNvPr id="11266" name="Picture 2"/>
+          <p:cNvPr id="4" name="図 3"/>
           <p:cNvPicPr>
-            <a:picLocks noChangeAspect="1" noChangeArrowheads="1"/>
+            <a:picLocks noChangeAspect="1"/>
           </p:cNvPicPr>
           <p:nvPr/>
         </p:nvPicPr>
         <p:blipFill>
-          <a:blip r:embed="rId2">
-            <a:extLst>
-              <a:ext uri="{28A0092B-C50C-407E-A947-70E740481C1C}">
-                <a14:useLocalDpi xmlns:a14="http://schemas.microsoft.com/office/drawing/2010/main" val="0"/>
-              </a:ext>
-            </a:extLst>
-          </a:blip>
-          <a:srcRect/>
+          <a:blip r:embed="rId4"/>
           <a:stretch>
             <a:fillRect/>
           </a:stretch>
         </p:blipFill>
-        <p:spPr bwMode="auto">
+        <p:spPr>
           <a:xfrm>
-            <a:off x="3563888" y="3639071"/>
-            <a:ext cx="5366295" cy="3129831"/>
+            <a:off x="1603589" y="3534461"/>
+            <a:ext cx="5936820" cy="3214359"/>
           </a:xfrm>
           <a:prstGeom prst="rect">
             <a:avLst/>
           </a:prstGeom>
-          <a:noFill/>
-          <a:ln>
-            <a:noFill/>
-          </a:ln>
-          <a:effectLst/>
-          <a:extLst>
-            <a:ext uri="{909E8E84-426E-40DD-AFC4-6F175D3DCCD1}">
-              <a14:hiddenFill xmlns:a14="http://schemas.microsoft.com/office/drawing/2010/main">
-                <a:solidFill>
-                  <a:schemeClr val="accent1"/>
-                </a:solidFill>
-              </a14:hiddenFill>
-            </a:ext>
-            <a:ext uri="{91240B29-F687-4F45-9708-019B960494DF}">
-              <a14:hiddenLine xmlns:a14="http://schemas.microsoft.com/office/drawing/2010/main" w="9525">
-                <a:solidFill>
-                  <a:schemeClr val="tx1"/>
-                </a:solidFill>
-                <a:miter lim="800000"/>
-                <a:headEnd/>
-                <a:tailEnd/>
-              </a14:hiddenLine>
-            </a:ext>
-            <a:ext uri="{AF507438-7753-43E0-B8FC-AC1667EBCBE1}">
-              <a14:hiddenEffects xmlns:a14="http://schemas.microsoft.com/office/drawing/2010/main">
-                <a:effectLst>
-                  <a:outerShdw dist="35921" dir="2700000" algn="ctr" rotWithShape="0">
-                    <a:schemeClr val="bg2"/>
-                  </a:outerShdw>
-                </a:effectLst>
-              </a14:hiddenEffects>
-            </a:ext>
-          </a:extLst>
-        </p:spPr>
-      </p:pic>
-      <p:pic>
-        <p:nvPicPr>
-          <p:cNvPr id="11267" name="Picture 3"/>
-          <p:cNvPicPr>
-            <a:picLocks noChangeAspect="1" noChangeArrowheads="1"/>
-          </p:cNvPicPr>
-          <p:nvPr/>
-        </p:nvPicPr>
-        <p:blipFill rotWithShape="1">
-          <a:blip r:embed="rId3">
-            <a:extLst>
-              <a:ext uri="{28A0092B-C50C-407E-A947-70E740481C1C}">
-                <a14:useLocalDpi xmlns:a14="http://schemas.microsoft.com/office/drawing/2010/main" val="0"/>
-              </a:ext>
-            </a:extLst>
-          </a:blip>
-          <a:srcRect t="33650" r="39668"/>
-          <a:stretch/>
-        </p:blipFill>
-        <p:spPr bwMode="auto">
-          <a:xfrm>
-            <a:off x="323528" y="3583734"/>
-            <a:ext cx="2925019" cy="3185168"/>
-          </a:xfrm>
-          <a:prstGeom prst="rect">
-            <a:avLst/>
-          </a:prstGeom>
-          <a:noFill/>
-          <a:ln>
-            <a:noFill/>
-          </a:ln>
-          <a:effectLst/>
-          <a:extLst>
-            <a:ext uri="{909E8E84-426E-40DD-AFC4-6F175D3DCCD1}">
-              <a14:hiddenFill xmlns:a14="http://schemas.microsoft.com/office/drawing/2010/main">
-                <a:solidFill>
-                  <a:schemeClr val="accent1"/>
-                </a:solidFill>
-              </a14:hiddenFill>
-            </a:ext>
-            <a:ext uri="{91240B29-F687-4F45-9708-019B960494DF}">
-              <a14:hiddenLine xmlns:a14="http://schemas.microsoft.com/office/drawing/2010/main" w="9525">
-                <a:solidFill>
-                  <a:schemeClr val="tx1"/>
-                </a:solidFill>
-                <a:miter lim="800000"/>
-                <a:headEnd/>
-                <a:tailEnd/>
-              </a14:hiddenLine>
-            </a:ext>
-            <a:ext uri="{AF507438-7753-43E0-B8FC-AC1667EBCBE1}">
-              <a14:hiddenEffects xmlns:a14="http://schemas.microsoft.com/office/drawing/2010/main">
-                <a:effectLst>
-                  <a:outerShdw dist="35921" dir="2700000" algn="ctr" rotWithShape="0">
-                    <a:schemeClr val="bg2"/>
-                  </a:outerShdw>
-                </a:effectLst>
-              </a14:hiddenEffects>
-            </a:ext>
-          </a:extLst>
         </p:spPr>
       </p:pic>
     </p:spTree>
@@ -16520,8 +16506,8 @@
         </p:nvSpPr>
         <p:spPr>
           <a:xfrm>
-            <a:off x="179513" y="2675467"/>
-            <a:ext cx="4104456" cy="3450696"/>
+            <a:off x="872067" y="2675467"/>
+            <a:ext cx="8271933" cy="3450696"/>
           </a:xfrm>
         </p:spPr>
         <p:txBody>
@@ -16529,27 +16515,67 @@
           <a:lstStyle/>
           <a:p>
             <a:r>
+              <a:rPr kumimoji="1" lang="en-US" altLang="ja-JP" dirty="0" smtClean="0"/>
+              <a:t>Python</a:t>
+            </a:r>
+            <a:r>
+              <a:rPr lang="ja-JP" altLang="en-US" dirty="0" smtClean="0"/>
+              <a:t>はプログラミング言語の一種</a:t>
+            </a:r>
+            <a:endParaRPr lang="en-US" altLang="ja-JP" dirty="0" smtClean="0"/>
+          </a:p>
+          <a:p>
+            <a:r>
               <a:rPr kumimoji="1" lang="ja-JP" altLang="en-US" dirty="0" smtClean="0"/>
-              <a:t>強力な検証機能を持っており、かつ多様な学習器を搭載しているのでシステム構築前のテストに最適</a:t>
+              <a:t>スクリプトの実行にはインタープリターの</a:t>
+            </a:r>
+            <a:r>
+              <a:rPr lang="ja-JP" altLang="en-US" dirty="0"/>
+              <a:t>インストール</a:t>
+            </a:r>
+            <a:r>
+              <a:rPr lang="ja-JP" altLang="en-US" dirty="0" smtClean="0"/>
+              <a:t>が必要</a:t>
+            </a:r>
+            <a:endParaRPr lang="en-US" altLang="ja-JP" dirty="0" smtClean="0"/>
+          </a:p>
+          <a:p>
+            <a:r>
+              <a:rPr kumimoji="1" lang="en-US" altLang="ja-JP" dirty="0" smtClean="0"/>
+              <a:t>Windows</a:t>
+            </a:r>
+            <a:r>
+              <a:rPr kumimoji="1" lang="ja-JP" altLang="en-US" dirty="0" smtClean="0"/>
+              <a:t>なら、初心者には</a:t>
+            </a:r>
+            <a:r>
+              <a:rPr kumimoji="1" lang="en-US" altLang="ja-JP" dirty="0" smtClean="0"/>
+              <a:t>Anaconda</a:t>
+            </a:r>
+            <a:r>
+              <a:rPr kumimoji="1" lang="ja-JP" altLang="en-US" dirty="0" smtClean="0"/>
+              <a:t>を勧めます</a:t>
             </a:r>
             <a:endParaRPr kumimoji="1" lang="en-US" altLang="ja-JP" dirty="0" smtClean="0"/>
           </a:p>
           <a:p>
-            <a:endParaRPr kumimoji="1" lang="en-US" altLang="ja-JP" dirty="0" smtClean="0"/>
+            <a:pPr lvl="1"/>
+            <a:r>
+              <a:rPr lang="en-US" altLang="ja-JP" dirty="0">
+                <a:hlinkClick r:id="rId2"/>
+              </a:rPr>
+              <a:t>https://</a:t>
+            </a:r>
+            <a:r>
+              <a:rPr lang="en-US" altLang="ja-JP" dirty="0" smtClean="0">
+                <a:hlinkClick r:id="rId2"/>
+              </a:rPr>
+              <a:t>www.continuum.io/downloads</a:t>
+            </a:r>
+            <a:endParaRPr lang="en-US" altLang="ja-JP" dirty="0" smtClean="0"/>
           </a:p>
           <a:p>
-            <a:r>
-              <a:rPr kumimoji="1" lang="ja-JP" altLang="en-US" dirty="0" smtClean="0"/>
-              <a:t>というか</a:t>
-            </a:r>
-            <a:r>
-              <a:rPr kumimoji="1" lang="en-US" altLang="ja-JP" dirty="0" smtClean="0"/>
-              <a:t>CUI</a:t>
-            </a:r>
-            <a:r>
-              <a:rPr kumimoji="1" lang="ja-JP" altLang="en-US" dirty="0" smtClean="0"/>
-              <a:t>を利用すればシステム構築も可能</a:t>
-            </a:r>
+            <a:pPr lvl="1"/>
             <a:endParaRPr kumimoji="1" lang="ja-JP" altLang="en-US" dirty="0"/>
           </a:p>
         </p:txBody>
@@ -16571,7 +16597,7 @@
           <a:p>
             <a:r>
               <a:rPr kumimoji="1" lang="en-US" altLang="ja-JP" dirty="0" smtClean="0"/>
-              <a:t>WEKA</a:t>
+              <a:t>Python</a:t>
             </a:r>
             <a:endParaRPr kumimoji="1" lang="ja-JP" altLang="en-US" dirty="0"/>
           </a:p>
@@ -16579,14 +16605,14 @@
       </p:sp>
       <p:pic>
         <p:nvPicPr>
-          <p:cNvPr id="1026" name="Picture 2"/>
+          <p:cNvPr id="1026" name="Picture 2" descr="「python」の画像検索結果"/>
           <p:cNvPicPr>
             <a:picLocks noChangeAspect="1" noChangeArrowheads="1"/>
           </p:cNvPicPr>
           <p:nvPr/>
         </p:nvPicPr>
         <p:blipFill>
-          <a:blip r:embed="rId2">
+          <a:blip r:embed="rId3">
             <a:extLst>
               <a:ext uri="{28A0092B-C50C-407E-A947-70E740481C1C}">
                 <a14:useLocalDpi xmlns:a14="http://schemas.microsoft.com/office/drawing/2010/main" val="0"/>
@@ -16600,43 +16626,20 @@
         </p:blipFill>
         <p:spPr bwMode="auto">
           <a:xfrm>
-            <a:off x="4283968" y="1484784"/>
-            <a:ext cx="4698296" cy="3312368"/>
+            <a:off x="1709737" y="4797152"/>
+            <a:ext cx="5724525" cy="1933576"/>
           </a:xfrm>
           <a:prstGeom prst="rect">
             <a:avLst/>
           </a:prstGeom>
           <a:noFill/>
-          <a:ln>
-            <a:noFill/>
-          </a:ln>
-          <a:effectLst/>
           <a:extLst>
             <a:ext uri="{909E8E84-426E-40DD-AFC4-6F175D3DCCD1}">
               <a14:hiddenFill xmlns:a14="http://schemas.microsoft.com/office/drawing/2010/main">
                 <a:solidFill>
-                  <a:schemeClr val="accent1"/>
+                  <a:srgbClr val="FFFFFF"/>
                 </a:solidFill>
               </a14:hiddenFill>
-            </a:ext>
-            <a:ext uri="{91240B29-F687-4F45-9708-019B960494DF}">
-              <a14:hiddenLine xmlns:a14="http://schemas.microsoft.com/office/drawing/2010/main" w="9525">
-                <a:solidFill>
-                  <a:schemeClr val="tx1"/>
-                </a:solidFill>
-                <a:miter lim="800000"/>
-                <a:headEnd/>
-                <a:tailEnd/>
-              </a14:hiddenLine>
-            </a:ext>
-            <a:ext uri="{AF507438-7753-43E0-B8FC-AC1667EBCBE1}">
-              <a14:hiddenEffects xmlns:a14="http://schemas.microsoft.com/office/drawing/2010/main">
-                <a:effectLst>
-                  <a:outerShdw dist="35921" dir="2700000" algn="ctr" rotWithShape="0">
-                    <a:schemeClr val="bg2"/>
-                  </a:outerShdw>
-                </a:effectLst>
-              </a14:hiddenEffects>
             </a:ext>
           </a:extLst>
         </p:spPr>
@@ -16644,7 +16647,7 @@
     </p:spTree>
     <p:extLst>
       <p:ext uri="{BB962C8B-B14F-4D97-AF65-F5344CB8AC3E}">
-        <p14:creationId xmlns:p14="http://schemas.microsoft.com/office/powerpoint/2010/main" val="2072682413"/>
+        <p14:creationId xmlns:p14="http://schemas.microsoft.com/office/powerpoint/2010/main" val="2098953762"/>
       </p:ext>
     </p:extLst>
   </p:cSld>
